--- a/slides/triads-ris-workshop-day-1.pptx
+++ b/slides/triads-ris-workshop-day-1.pptx
@@ -206,7 +206,7 @@
           <a:p>
             <a:fld id="{0EB23CB4-0EBB-7E43-AEC8-D5ADDA650247}" type="datetimeFigureOut">
               <a:rPr lang="en-US" smtClean="0"/>
-              <a:t>11/7/24</a:t>
+              <a:t>11/12/24</a:t>
             </a:fld>
             <a:endParaRPr lang="en-US"/>
           </a:p>
@@ -1040,7 +1040,7 @@
           <a:p>
             <a:fld id="{2B281CE9-E0DF-2844-850D-DF93F0722CA0}" type="datetimeFigureOut">
               <a:rPr lang="en-US" smtClean="0"/>
-              <a:t>11/7/24</a:t>
+              <a:t>11/12/24</a:t>
             </a:fld>
             <a:endParaRPr lang="en-US"/>
           </a:p>
@@ -1238,7 +1238,7 @@
           <a:p>
             <a:fld id="{2B281CE9-E0DF-2844-850D-DF93F0722CA0}" type="datetimeFigureOut">
               <a:rPr lang="en-US" smtClean="0"/>
-              <a:t>11/7/24</a:t>
+              <a:t>11/12/24</a:t>
             </a:fld>
             <a:endParaRPr lang="en-US"/>
           </a:p>
@@ -1446,7 +1446,7 @@
           <a:p>
             <a:fld id="{2B281CE9-E0DF-2844-850D-DF93F0722CA0}" type="datetimeFigureOut">
               <a:rPr lang="en-US" smtClean="0"/>
-              <a:t>11/7/24</a:t>
+              <a:t>11/12/24</a:t>
             </a:fld>
             <a:endParaRPr lang="en-US"/>
           </a:p>
@@ -1644,7 +1644,7 @@
           <a:p>
             <a:fld id="{2B281CE9-E0DF-2844-850D-DF93F0722CA0}" type="datetimeFigureOut">
               <a:rPr lang="en-US" smtClean="0"/>
-              <a:t>11/7/24</a:t>
+              <a:t>11/12/24</a:t>
             </a:fld>
             <a:endParaRPr lang="en-US"/>
           </a:p>
@@ -1919,7 +1919,7 @@
           <a:p>
             <a:fld id="{2B281CE9-E0DF-2844-850D-DF93F0722CA0}" type="datetimeFigureOut">
               <a:rPr lang="en-US" smtClean="0"/>
-              <a:t>11/7/24</a:t>
+              <a:t>11/12/24</a:t>
             </a:fld>
             <a:endParaRPr lang="en-US"/>
           </a:p>
@@ -2184,7 +2184,7 @@
           <a:p>
             <a:fld id="{2B281CE9-E0DF-2844-850D-DF93F0722CA0}" type="datetimeFigureOut">
               <a:rPr lang="en-US" smtClean="0"/>
-              <a:t>11/7/24</a:t>
+              <a:t>11/12/24</a:t>
             </a:fld>
             <a:endParaRPr lang="en-US"/>
           </a:p>
@@ -2596,7 +2596,7 @@
           <a:p>
             <a:fld id="{2B281CE9-E0DF-2844-850D-DF93F0722CA0}" type="datetimeFigureOut">
               <a:rPr lang="en-US" smtClean="0"/>
-              <a:t>11/7/24</a:t>
+              <a:t>11/12/24</a:t>
             </a:fld>
             <a:endParaRPr lang="en-US"/>
           </a:p>
@@ -2737,7 +2737,7 @@
           <a:p>
             <a:fld id="{2B281CE9-E0DF-2844-850D-DF93F0722CA0}" type="datetimeFigureOut">
               <a:rPr lang="en-US" smtClean="0"/>
-              <a:t>11/7/24</a:t>
+              <a:t>11/12/24</a:t>
             </a:fld>
             <a:endParaRPr lang="en-US"/>
           </a:p>
@@ -2850,7 +2850,7 @@
           <a:p>
             <a:fld id="{2B281CE9-E0DF-2844-850D-DF93F0722CA0}" type="datetimeFigureOut">
               <a:rPr lang="en-US" smtClean="0"/>
-              <a:t>11/7/24</a:t>
+              <a:t>11/12/24</a:t>
             </a:fld>
             <a:endParaRPr lang="en-US"/>
           </a:p>
@@ -3161,7 +3161,7 @@
           <a:p>
             <a:fld id="{2B281CE9-E0DF-2844-850D-DF93F0722CA0}" type="datetimeFigureOut">
               <a:rPr lang="en-US" smtClean="0"/>
-              <a:t>11/7/24</a:t>
+              <a:t>11/12/24</a:t>
             </a:fld>
             <a:endParaRPr lang="en-US"/>
           </a:p>
@@ -3449,7 +3449,7 @@
           <a:p>
             <a:fld id="{2B281CE9-E0DF-2844-850D-DF93F0722CA0}" type="datetimeFigureOut">
               <a:rPr lang="en-US" smtClean="0"/>
-              <a:t>11/7/24</a:t>
+              <a:t>11/12/24</a:t>
             </a:fld>
             <a:endParaRPr lang="en-US"/>
           </a:p>
@@ -3690,7 +3690,7 @@
           <a:p>
             <a:fld id="{2B281CE9-E0DF-2844-850D-DF93F0722CA0}" type="datetimeFigureOut">
               <a:rPr lang="en-US" smtClean="0"/>
-              <a:t>11/7/24</a:t>
+              <a:t>11/12/24</a:t>
             </a:fld>
             <a:endParaRPr lang="en-US"/>
           </a:p>
